--- a/slides/Day3/MNIST.pptx
+++ b/slides/Day3/MNIST.pptx
@@ -1787,8 +1787,8 @@
         </p:nvSpPr>
         <p:spPr>
           <a:xfrm>
-            <a:off x="1143000" y="685800"/>
-            <a:ext cx="4572000" cy="3429000"/>
+            <a:off x="381000" y="685800"/>
+            <a:ext cx="6096000" cy="3429000"/>
           </a:xfrm>
           <a:custGeom>
             <a:avLst/>
@@ -1895,8 +1895,8 @@
         </p:nvSpPr>
         <p:spPr>
           <a:xfrm>
-            <a:off x="1143000" y="685800"/>
-            <a:ext cx="4572000" cy="3429000"/>
+            <a:off x="381000" y="685800"/>
+            <a:ext cx="6096000" cy="3429000"/>
           </a:xfrm>
           <a:custGeom>
             <a:avLst/>
@@ -44763,64 +44763,6 @@
           </a:ln>
         </p:spPr>
       </p:pic>
-      <p:sp>
-        <p:nvSpPr>
-          <p:cNvPr id="589" name="Google Shape;589;p76"/>
-          <p:cNvSpPr txBox="1"/>
-          <p:nvPr/>
-        </p:nvSpPr>
-        <p:spPr>
-          <a:xfrm>
-            <a:off x="5066933" y="4940327"/>
-            <a:ext cx="4039200" cy="234900"/>
-          </a:xfrm>
-          <a:prstGeom prst="rect">
-            <a:avLst/>
-          </a:prstGeom>
-          <a:noFill/>
-          <a:ln>
-            <a:noFill/>
-          </a:ln>
-        </p:spPr>
-        <p:txBody>
-          <a:bodyPr spcFirstLastPara="1" wrap="square" lIns="26775" tIns="26775" rIns="26775" bIns="26775" anchor="ctr" anchorCtr="0">
-            <a:noAutofit/>
-          </a:bodyPr>
-          <a:lstStyle/>
-          <a:p>
-            <a:pPr marL="0" marR="0" lvl="0" indent="0" algn="ctr" rtl="0">
-              <a:lnSpc>
-                <a:spcPct val="100000"/>
-              </a:lnSpc>
-              <a:spcBef>
-                <a:spcPts val="0"/>
-              </a:spcBef>
-              <a:spcAft>
-                <a:spcPts val="0"/>
-              </a:spcAft>
-              <a:buClr>
-                <a:srgbClr val="000000"/>
-              </a:buClr>
-              <a:buFont typeface="Helvetica Neue"/>
-              <a:buNone/>
-            </a:pPr>
-            <a:r>
-              <a:rPr lang="en" sz="1200" b="1" i="0" u="sng" strike="noStrike" cap="none">
-                <a:solidFill>
-                  <a:schemeClr val="hlink"/>
-                </a:solidFill>
-                <a:latin typeface="Helvetica Neue"/>
-                <a:ea typeface="Helvetica Neue"/>
-                <a:cs typeface="Helvetica Neue"/>
-                <a:sym typeface="Helvetica Neue"/>
-                <a:hlinkClick r:id="rId8"/>
-              </a:rPr>
-              <a:t>https://ml4a.github.io/ml4a/looking_inside_neural_nets</a:t>
-            </a:r>
-            <a:endParaRPr sz="500"/>
-          </a:p>
-        </p:txBody>
-      </p:sp>
     </p:spTree>
   </p:cSld>
   <p:clrMapOvr>
@@ -45417,64 +45359,6 @@
                 <a:sym typeface="Helvetica Neue"/>
               </a:rPr>
               <a:t>Hidden layers</a:t>
-            </a:r>
-            <a:endParaRPr sz="500"/>
-          </a:p>
-        </p:txBody>
-      </p:sp>
-      <p:sp>
-        <p:nvSpPr>
-          <p:cNvPr id="609" name="Google Shape;609;p77"/>
-          <p:cNvSpPr txBox="1"/>
-          <p:nvPr/>
-        </p:nvSpPr>
-        <p:spPr>
-          <a:xfrm>
-            <a:off x="5066933" y="4940327"/>
-            <a:ext cx="4039200" cy="234900"/>
-          </a:xfrm>
-          <a:prstGeom prst="rect">
-            <a:avLst/>
-          </a:prstGeom>
-          <a:noFill/>
-          <a:ln>
-            <a:noFill/>
-          </a:ln>
-        </p:spPr>
-        <p:txBody>
-          <a:bodyPr spcFirstLastPara="1" wrap="square" lIns="26775" tIns="26775" rIns="26775" bIns="26775" anchor="ctr" anchorCtr="0">
-            <a:noAutofit/>
-          </a:bodyPr>
-          <a:lstStyle/>
-          <a:p>
-            <a:pPr marL="0" marR="0" lvl="0" indent="0" algn="ctr" rtl="0">
-              <a:lnSpc>
-                <a:spcPct val="100000"/>
-              </a:lnSpc>
-              <a:spcBef>
-                <a:spcPts val="0"/>
-              </a:spcBef>
-              <a:spcAft>
-                <a:spcPts val="0"/>
-              </a:spcAft>
-              <a:buClr>
-                <a:srgbClr val="000000"/>
-              </a:buClr>
-              <a:buFont typeface="Helvetica Neue"/>
-              <a:buNone/>
-            </a:pPr>
-            <a:r>
-              <a:rPr lang="en" sz="1200" b="1" i="0" u="sng" strike="noStrike" cap="none">
-                <a:solidFill>
-                  <a:schemeClr val="hlink"/>
-                </a:solidFill>
-                <a:latin typeface="Helvetica Neue"/>
-                <a:ea typeface="Helvetica Neue"/>
-                <a:cs typeface="Helvetica Neue"/>
-                <a:sym typeface="Helvetica Neue"/>
-                <a:hlinkClick r:id="rId7"/>
-              </a:rPr>
-              <a:t>https://ml4a.github.io/ml4a/looking_inside_neural_nets</a:t>
             </a:r>
             <a:endParaRPr sz="500"/>
           </a:p>
